--- a/docs/ppts/app DMAIC.pptx
+++ b/docs/ppts/app DMAIC.pptx
@@ -7,7 +7,10 @@
   <p:sldIdLst>
     <p:sldId id="256" r:id="rId2"/>
     <p:sldId id="257" r:id="rId3"/>
-    <p:sldId id="258" r:id="rId4"/>
+    <p:sldId id="261" r:id="rId4"/>
+    <p:sldId id="258" r:id="rId5"/>
+    <p:sldId id="259" r:id="rId6"/>
+    <p:sldId id="260" r:id="rId7"/>
   </p:sldIdLst>
   <p:sldSz cx="9144000" cy="5143500" type="screen16x9"/>
   <p:notesSz cx="6858000" cy="9144000"/>
@@ -290,7 +293,7 @@
           <a:p>
             <a:fld id="{E626C316-6C08-4A07-89D8-5D1BDA97D30F}" type="datetimeFigureOut">
               <a:rPr lang="es-PE" smtClean="0"/>
-              <a:t>25/02/2018</a:t>
+              <a:t>28/02/2018</a:t>
             </a:fld>
             <a:endParaRPr lang="es-PE"/>
           </a:p>
@@ -460,7 +463,7 @@
           <a:p>
             <a:fld id="{E626C316-6C08-4A07-89D8-5D1BDA97D30F}" type="datetimeFigureOut">
               <a:rPr lang="es-PE" smtClean="0"/>
-              <a:t>25/02/2018</a:t>
+              <a:t>28/02/2018</a:t>
             </a:fld>
             <a:endParaRPr lang="es-PE"/>
           </a:p>
@@ -640,7 +643,7 @@
           <a:p>
             <a:fld id="{E626C316-6C08-4A07-89D8-5D1BDA97D30F}" type="datetimeFigureOut">
               <a:rPr lang="es-PE" smtClean="0"/>
-              <a:t>25/02/2018</a:t>
+              <a:t>28/02/2018</a:t>
             </a:fld>
             <a:endParaRPr lang="es-PE"/>
           </a:p>
@@ -810,7 +813,7 @@
           <a:p>
             <a:fld id="{E626C316-6C08-4A07-89D8-5D1BDA97D30F}" type="datetimeFigureOut">
               <a:rPr lang="es-PE" smtClean="0"/>
-              <a:t>25/02/2018</a:t>
+              <a:t>28/02/2018</a:t>
             </a:fld>
             <a:endParaRPr lang="es-PE"/>
           </a:p>
@@ -1056,7 +1059,7 @@
           <a:p>
             <a:fld id="{E626C316-6C08-4A07-89D8-5D1BDA97D30F}" type="datetimeFigureOut">
               <a:rPr lang="es-PE" smtClean="0"/>
-              <a:t>25/02/2018</a:t>
+              <a:t>28/02/2018</a:t>
             </a:fld>
             <a:endParaRPr lang="es-PE"/>
           </a:p>
@@ -1344,7 +1347,7 @@
           <a:p>
             <a:fld id="{E626C316-6C08-4A07-89D8-5D1BDA97D30F}" type="datetimeFigureOut">
               <a:rPr lang="es-PE" smtClean="0"/>
-              <a:t>25/02/2018</a:t>
+              <a:t>28/02/2018</a:t>
             </a:fld>
             <a:endParaRPr lang="es-PE"/>
           </a:p>
@@ -1766,7 +1769,7 @@
           <a:p>
             <a:fld id="{E626C316-6C08-4A07-89D8-5D1BDA97D30F}" type="datetimeFigureOut">
               <a:rPr lang="es-PE" smtClean="0"/>
-              <a:t>25/02/2018</a:t>
+              <a:t>28/02/2018</a:t>
             </a:fld>
             <a:endParaRPr lang="es-PE"/>
           </a:p>
@@ -1884,7 +1887,7 @@
           <a:p>
             <a:fld id="{E626C316-6C08-4A07-89D8-5D1BDA97D30F}" type="datetimeFigureOut">
               <a:rPr lang="es-PE" smtClean="0"/>
-              <a:t>25/02/2018</a:t>
+              <a:t>28/02/2018</a:t>
             </a:fld>
             <a:endParaRPr lang="es-PE"/>
           </a:p>
@@ -1979,7 +1982,7 @@
           <a:p>
             <a:fld id="{E626C316-6C08-4A07-89D8-5D1BDA97D30F}" type="datetimeFigureOut">
               <a:rPr lang="es-PE" smtClean="0"/>
-              <a:t>25/02/2018</a:t>
+              <a:t>28/02/2018</a:t>
             </a:fld>
             <a:endParaRPr lang="es-PE"/>
           </a:p>
@@ -2256,7 +2259,7 @@
           <a:p>
             <a:fld id="{E626C316-6C08-4A07-89D8-5D1BDA97D30F}" type="datetimeFigureOut">
               <a:rPr lang="es-PE" smtClean="0"/>
-              <a:t>25/02/2018</a:t>
+              <a:t>28/02/2018</a:t>
             </a:fld>
             <a:endParaRPr lang="es-PE"/>
           </a:p>
@@ -2509,7 +2512,7 @@
           <a:p>
             <a:fld id="{E626C316-6C08-4A07-89D8-5D1BDA97D30F}" type="datetimeFigureOut">
               <a:rPr lang="es-PE" smtClean="0"/>
-              <a:t>25/02/2018</a:t>
+              <a:t>28/02/2018</a:t>
             </a:fld>
             <a:endParaRPr lang="es-PE"/>
           </a:p>
@@ -2722,7 +2725,7 @@
           <a:p>
             <a:fld id="{E626C316-6C08-4A07-89D8-5D1BDA97D30F}" type="datetimeFigureOut">
               <a:rPr lang="es-PE" smtClean="0"/>
-              <a:t>25/02/2018</a:t>
+              <a:t>28/02/2018</a:t>
             </a:fld>
             <a:endParaRPr lang="es-PE"/>
           </a:p>
@@ -3112,7 +3115,7 @@
           <a:bodyPr/>
           <a:lstStyle/>
           <a:p>
-            <a:endParaRPr lang="es-PE"/>
+            <a:endParaRPr lang="es-PE" dirty="0"/>
           </a:p>
         </p:txBody>
       </p:sp>
@@ -3131,7 +3134,7 @@
           <a:bodyPr/>
           <a:lstStyle/>
           <a:p>
-            <a:endParaRPr lang="es-PE"/>
+            <a:endParaRPr lang="es-PE" dirty="0"/>
           </a:p>
         </p:txBody>
       </p:sp>
@@ -3452,7 +3455,7 @@
               <a:buNone/>
             </a:pPr>
             <a:r>
-              <a:rPr lang="es-PE" smtClean="0"/>
+              <a:rPr lang="es-PE" dirty="0" smtClean="0"/>
               <a:t> </a:t>
             </a:r>
             <a:endParaRPr lang="es-PE" dirty="0"/>
@@ -3550,7 +3553,7 @@
           <a:lstStyle/>
           <a:p>
             <a:pPr algn="ctr"/>
-            <a:endParaRPr lang="es-PE"/>
+            <a:endParaRPr lang="es-PE" dirty="0"/>
           </a:p>
         </p:txBody>
       </p:sp>
@@ -3782,7 +3785,7 @@
           <a:lstStyle/>
           <a:p>
             <a:pPr algn="ctr"/>
-            <a:endParaRPr lang="es-PE"/>
+            <a:endParaRPr lang="es-PE" dirty="0"/>
           </a:p>
         </p:txBody>
       </p:sp>
@@ -3931,7 +3934,7 @@
           <a:lstStyle/>
           <a:p>
             <a:pPr algn="ctr"/>
-            <a:endParaRPr lang="es-PE"/>
+            <a:endParaRPr lang="es-PE" dirty="0"/>
           </a:p>
         </p:txBody>
       </p:sp>
@@ -4276,7 +4279,7 @@
           <a:lstStyle/>
           <a:p>
             <a:pPr algn="ctr"/>
-            <a:endParaRPr lang="es-PE"/>
+            <a:endParaRPr lang="es-PE" dirty="0"/>
           </a:p>
         </p:txBody>
       </p:sp>
@@ -4489,7 +4492,7 @@
           <a:lstStyle/>
           <a:p>
             <a:pPr algn="ctr"/>
-            <a:endParaRPr lang="es-PE"/>
+            <a:endParaRPr lang="es-PE" dirty="0"/>
           </a:p>
         </p:txBody>
       </p:sp>
@@ -4837,8 +4840,8 @@
         </p:nvSpPr>
         <p:spPr>
           <a:xfrm>
-            <a:off x="2073492" y="2165950"/>
-            <a:ext cx="1601960" cy="540060"/>
+            <a:off x="2073492" y="2051715"/>
+            <a:ext cx="1601960" cy="958096"/>
           </a:xfrm>
           <a:prstGeom prst="rect">
             <a:avLst/>
@@ -4913,8 +4916,70 @@
                   </a:schemeClr>
                 </a:solidFill>
               </a:rPr>
-              <a:t> Store</a:t>
-            </a:r>
+              <a:t> </a:t>
+            </a:r>
+            <a:r>
+              <a:rPr lang="es-PE" sz="1400" dirty="0" err="1" smtClean="0">
+                <a:solidFill>
+                  <a:schemeClr val="accent1">
+                    <a:lumMod val="75000"/>
+                  </a:schemeClr>
+                </a:solidFill>
+              </a:rPr>
+              <a:t>Router</a:t>
+            </a:r>
+            <a:endParaRPr lang="es-PE" sz="1400" dirty="0" smtClean="0">
+              <a:solidFill>
+                <a:schemeClr val="accent1">
+                  <a:lumMod val="75000"/>
+                </a:schemeClr>
+              </a:solidFill>
+            </a:endParaRPr>
+          </a:p>
+          <a:p>
+            <a:pPr marL="285750" indent="-285750">
+              <a:buFont typeface="Arial" panose="020B0604020202020204" pitchFamily="34" charset="0"/>
+              <a:buChar char="•"/>
+            </a:pPr>
+            <a:r>
+              <a:rPr lang="es-PE" sz="1400" dirty="0" err="1" smtClean="0">
+                <a:solidFill>
+                  <a:schemeClr val="accent1">
+                    <a:lumMod val="75000"/>
+                  </a:schemeClr>
+                </a:solidFill>
+              </a:rPr>
+              <a:t>Vuetify</a:t>
+            </a:r>
+            <a:endParaRPr lang="es-PE" sz="1400" dirty="0" smtClean="0">
+              <a:solidFill>
+                <a:schemeClr val="accent1">
+                  <a:lumMod val="75000"/>
+                </a:schemeClr>
+              </a:solidFill>
+            </a:endParaRPr>
+          </a:p>
+          <a:p>
+            <a:pPr marL="285750" indent="-285750">
+              <a:buFont typeface="Arial" panose="020B0604020202020204" pitchFamily="34" charset="0"/>
+              <a:buChar char="•"/>
+            </a:pPr>
+            <a:r>
+              <a:rPr lang="es-PE" sz="1400" dirty="0" smtClean="0">
+                <a:solidFill>
+                  <a:schemeClr val="accent1">
+                    <a:lumMod val="75000"/>
+                  </a:schemeClr>
+                </a:solidFill>
+              </a:rPr>
+              <a:t>Chart.js</a:t>
+            </a:r>
+          </a:p>
+          <a:p>
+            <a:pPr marL="285750" indent="-285750">
+              <a:buFont typeface="Arial" panose="020B0604020202020204" pitchFamily="34" charset="0"/>
+              <a:buChar char="•"/>
+            </a:pPr>
             <a:endParaRPr lang="es-PE" sz="1400" dirty="0">
               <a:solidFill>
                 <a:schemeClr val="accent1">
@@ -5017,6 +5082,122 @@
           <a:bodyPr/>
           <a:lstStyle/>
           <a:p>
+            <a:r>
+              <a:rPr lang="es-PE" dirty="0" err="1" smtClean="0"/>
+              <a:t>GitHub</a:t>
+            </a:r>
+            <a:endParaRPr lang="es-PE" dirty="0"/>
+          </a:p>
+        </p:txBody>
+      </p:sp>
+      <p:pic>
+        <p:nvPicPr>
+          <p:cNvPr id="2050" name="Picture 2"/>
+          <p:cNvPicPr>
+            <a:picLocks noGrp="1" noChangeAspect="1" noChangeArrowheads="1"/>
+          </p:cNvPicPr>
+          <p:nvPr>
+            <p:ph idx="1"/>
+          </p:nvPr>
+        </p:nvPicPr>
+        <p:blipFill>
+          <a:blip r:embed="rId2">
+            <a:extLst>
+              <a:ext uri="{28A0092B-C50C-407E-A947-70E740481C1C}">
+                <a14:useLocalDpi xmlns:a14="http://schemas.microsoft.com/office/drawing/2010/main" val="0"/>
+              </a:ext>
+            </a:extLst>
+          </a:blip>
+          <a:srcRect/>
+          <a:stretch>
+            <a:fillRect/>
+          </a:stretch>
+        </p:blipFill>
+        <p:spPr bwMode="auto">
+          <a:xfrm>
+            <a:off x="457200" y="1696344"/>
+            <a:ext cx="8229600" cy="2401686"/>
+          </a:xfrm>
+          <a:prstGeom prst="rect">
+            <a:avLst/>
+          </a:prstGeom>
+          <a:noFill/>
+          <a:ln>
+            <a:noFill/>
+          </a:ln>
+          <a:extLst>
+            <a:ext uri="{909E8E84-426E-40DD-AFC4-6F175D3DCCD1}">
+              <a14:hiddenFill xmlns:a14="http://schemas.microsoft.com/office/drawing/2010/main">
+                <a:solidFill>
+                  <a:schemeClr val="accent1"/>
+                </a:solidFill>
+              </a14:hiddenFill>
+            </a:ext>
+            <a:ext uri="{91240B29-F687-4F45-9708-019B960494DF}">
+              <a14:hiddenLine xmlns:a14="http://schemas.microsoft.com/office/drawing/2010/main" w="9525">
+                <a:solidFill>
+                  <a:schemeClr val="tx1"/>
+                </a:solidFill>
+                <a:miter lim="800000"/>
+                <a:headEnd/>
+                <a:tailEnd/>
+              </a14:hiddenLine>
+            </a:ext>
+          </a:extLst>
+        </p:spPr>
+      </p:pic>
+    </p:spTree>
+    <p:extLst>
+      <p:ext uri="{BB962C8B-B14F-4D97-AF65-F5344CB8AC3E}">
+        <p14:creationId xmlns:p14="http://schemas.microsoft.com/office/powerpoint/2010/main" val="1437749245"/>
+      </p:ext>
+    </p:extLst>
+  </p:cSld>
+  <p:clrMapOvr>
+    <a:masterClrMapping/>
+  </p:clrMapOvr>
+  <p:timing>
+    <p:tnLst>
+      <p:par>
+        <p:cTn id="1" dur="indefinite" restart="never" nodeType="tmRoot"/>
+      </p:par>
+    </p:tnLst>
+  </p:timing>
+</p:sld>
+</file>
+
+<file path=ppt/slides/slide4.xml><?xml version="1.0" encoding="utf-8"?>
+<p:sld xmlns:a="http://schemas.openxmlformats.org/drawingml/2006/main" xmlns:r="http://schemas.openxmlformats.org/officeDocument/2006/relationships" xmlns:p="http://schemas.openxmlformats.org/presentationml/2006/main">
+  <p:cSld>
+    <p:spTree>
+      <p:nvGrpSpPr>
+        <p:cNvPr id="1" name=""/>
+        <p:cNvGrpSpPr/>
+        <p:nvPr/>
+      </p:nvGrpSpPr>
+      <p:grpSpPr>
+        <a:xfrm>
+          <a:off x="0" y="0"/>
+          <a:ext cx="0" cy="0"/>
+          <a:chOff x="0" y="0"/>
+          <a:chExt cx="0" cy="0"/>
+        </a:xfrm>
+      </p:grpSpPr>
+      <p:sp>
+        <p:nvSpPr>
+          <p:cNvPr id="2" name="1 Título"/>
+          <p:cNvSpPr>
+            <a:spLocks noGrp="1"/>
+          </p:cNvSpPr>
+          <p:nvPr>
+            <p:ph type="title"/>
+          </p:nvPr>
+        </p:nvSpPr>
+        <p:spPr/>
+        <p:txBody>
+          <a:bodyPr/>
+          <a:lstStyle/>
+          <a:p>
             <a:endParaRPr lang="es-PE"/>
           </a:p>
         </p:txBody>
@@ -5068,6 +5249,249 @@
     <p:extLst>
       <p:ext uri="{BB962C8B-B14F-4D97-AF65-F5344CB8AC3E}">
         <p14:creationId xmlns:p14="http://schemas.microsoft.com/office/powerpoint/2010/main" val="26124829"/>
+      </p:ext>
+    </p:extLst>
+  </p:cSld>
+  <p:clrMapOvr>
+    <a:masterClrMapping/>
+  </p:clrMapOvr>
+  <p:timing>
+    <p:tnLst>
+      <p:par>
+        <p:cTn id="1" dur="indefinite" restart="never" nodeType="tmRoot"/>
+      </p:par>
+    </p:tnLst>
+  </p:timing>
+</p:sld>
+</file>
+
+<file path=ppt/slides/slide5.xml><?xml version="1.0" encoding="utf-8"?>
+<p:sld xmlns:a="http://schemas.openxmlformats.org/drawingml/2006/main" xmlns:r="http://schemas.openxmlformats.org/officeDocument/2006/relationships" xmlns:p="http://schemas.openxmlformats.org/presentationml/2006/main">
+  <p:cSld>
+    <p:spTree>
+      <p:nvGrpSpPr>
+        <p:cNvPr id="1" name=""/>
+        <p:cNvGrpSpPr/>
+        <p:nvPr/>
+      </p:nvGrpSpPr>
+      <p:grpSpPr>
+        <a:xfrm>
+          <a:off x="0" y="0"/>
+          <a:ext cx="0" cy="0"/>
+          <a:chOff x="0" y="0"/>
+          <a:chExt cx="0" cy="0"/>
+        </a:xfrm>
+      </p:grpSpPr>
+      <p:sp>
+        <p:nvSpPr>
+          <p:cNvPr id="2" name="1 Título"/>
+          <p:cNvSpPr>
+            <a:spLocks noGrp="1"/>
+          </p:cNvSpPr>
+          <p:nvPr>
+            <p:ph type="title"/>
+          </p:nvPr>
+        </p:nvSpPr>
+        <p:spPr/>
+        <p:txBody>
+          <a:bodyPr/>
+          <a:lstStyle/>
+          <a:p>
+            <a:r>
+              <a:rPr lang="es-PE" dirty="0" smtClean="0"/>
+              <a:t>Comentarios</a:t>
+            </a:r>
+            <a:endParaRPr lang="es-PE" dirty="0"/>
+          </a:p>
+        </p:txBody>
+      </p:sp>
+      <p:sp>
+        <p:nvSpPr>
+          <p:cNvPr id="3" name="2 Marcador de contenido"/>
+          <p:cNvSpPr>
+            <a:spLocks noGrp="1"/>
+          </p:cNvSpPr>
+          <p:nvPr>
+            <p:ph idx="1"/>
+          </p:nvPr>
+        </p:nvSpPr>
+        <p:spPr>
+          <a:xfrm>
+            <a:off x="457200" y="1200151"/>
+            <a:ext cx="8229600" cy="651519"/>
+          </a:xfrm>
+        </p:spPr>
+        <p:txBody>
+          <a:bodyPr>
+            <a:normAutofit/>
+          </a:bodyPr>
+          <a:lstStyle/>
+          <a:p>
+            <a:r>
+              <a:rPr lang="es-PE" sz="2400" dirty="0" smtClean="0"/>
+              <a:t>Propiedad de librería JS</a:t>
+            </a:r>
+          </a:p>
+          <a:p>
+            <a:endParaRPr lang="es-PE" sz="2400" dirty="0"/>
+          </a:p>
+          <a:p>
+            <a:endParaRPr lang="es-PE" sz="2400" dirty="0"/>
+          </a:p>
+        </p:txBody>
+      </p:sp>
+      <p:sp>
+        <p:nvSpPr>
+          <p:cNvPr id="10" name="9 CuadroTexto"/>
+          <p:cNvSpPr txBox="1"/>
+          <p:nvPr/>
+        </p:nvSpPr>
+        <p:spPr>
+          <a:xfrm>
+            <a:off x="1691680" y="1995686"/>
+            <a:ext cx="6048672" cy="2031325"/>
+          </a:xfrm>
+          <a:prstGeom prst="rect">
+            <a:avLst/>
+          </a:prstGeom>
+          <a:noFill/>
+        </p:spPr>
+        <p:txBody>
+          <a:bodyPr wrap="square" rtlCol="0">
+            <a:spAutoFit/>
+          </a:bodyPr>
+          <a:lstStyle/>
+          <a:p>
+            <a:r>
+              <a:rPr lang="es-PE" dirty="0"/>
+              <a:t> /**</a:t>
+            </a:r>
+          </a:p>
+          <a:p>
+            <a:r>
+              <a:rPr lang="es-PE" dirty="0"/>
+              <a:t>   *</a:t>
+            </a:r>
+          </a:p>
+          <a:p>
+            <a:r>
+              <a:rPr lang="es-PE" dirty="0"/>
+              <a:t>   * == STATE</a:t>
+            </a:r>
+          </a:p>
+          <a:p>
+            <a:r>
+              <a:rPr lang="es-PE" dirty="0"/>
+              <a:t>   *</a:t>
+            </a:r>
+          </a:p>
+          <a:p>
+            <a:r>
+              <a:rPr lang="es-PE" dirty="0"/>
+              <a:t>   * </a:t>
+            </a:r>
+            <a:r>
+              <a:rPr lang="es-PE" dirty="0" err="1"/>
+              <a:t>State</a:t>
+            </a:r>
+            <a:r>
+              <a:rPr lang="es-PE" dirty="0"/>
+              <a:t>(estado) general de la Aplicación.</a:t>
+            </a:r>
+          </a:p>
+          <a:p>
+            <a:r>
+              <a:rPr lang="es-PE" dirty="0"/>
+              <a:t>   *</a:t>
+            </a:r>
+          </a:p>
+          <a:p>
+            <a:r>
+              <a:rPr lang="es-PE" dirty="0"/>
+              <a:t>   */</a:t>
+            </a:r>
+          </a:p>
+        </p:txBody>
+      </p:sp>
+    </p:spTree>
+    <p:extLst>
+      <p:ext uri="{BB962C8B-B14F-4D97-AF65-F5344CB8AC3E}">
+        <p14:creationId xmlns:p14="http://schemas.microsoft.com/office/powerpoint/2010/main" val="4159237088"/>
+      </p:ext>
+    </p:extLst>
+  </p:cSld>
+  <p:clrMapOvr>
+    <a:masterClrMapping/>
+  </p:clrMapOvr>
+  <p:timing>
+    <p:tnLst>
+      <p:par>
+        <p:cTn id="1" dur="indefinite" restart="never" nodeType="tmRoot"/>
+      </p:par>
+    </p:tnLst>
+  </p:timing>
+</p:sld>
+</file>
+
+<file path=ppt/slides/slide6.xml><?xml version="1.0" encoding="utf-8"?>
+<p:sld xmlns:a="http://schemas.openxmlformats.org/drawingml/2006/main" xmlns:r="http://schemas.openxmlformats.org/officeDocument/2006/relationships" xmlns:p="http://schemas.openxmlformats.org/presentationml/2006/main">
+  <p:cSld>
+    <p:spTree>
+      <p:nvGrpSpPr>
+        <p:cNvPr id="1" name=""/>
+        <p:cNvGrpSpPr/>
+        <p:nvPr/>
+      </p:nvGrpSpPr>
+      <p:grpSpPr>
+        <a:xfrm>
+          <a:off x="0" y="0"/>
+          <a:ext cx="0" cy="0"/>
+          <a:chOff x="0" y="0"/>
+          <a:chExt cx="0" cy="0"/>
+        </a:xfrm>
+      </p:grpSpPr>
+      <p:sp>
+        <p:nvSpPr>
+          <p:cNvPr id="2" name="1 Título"/>
+          <p:cNvSpPr>
+            <a:spLocks noGrp="1"/>
+          </p:cNvSpPr>
+          <p:nvPr>
+            <p:ph type="title"/>
+          </p:nvPr>
+        </p:nvSpPr>
+        <p:spPr/>
+        <p:txBody>
+          <a:bodyPr/>
+          <a:lstStyle/>
+          <a:p>
+            <a:endParaRPr lang="es-PE"/>
+          </a:p>
+        </p:txBody>
+      </p:sp>
+      <p:sp>
+        <p:nvSpPr>
+          <p:cNvPr id="3" name="2 Marcador de contenido"/>
+          <p:cNvSpPr>
+            <a:spLocks noGrp="1"/>
+          </p:cNvSpPr>
+          <p:nvPr>
+            <p:ph idx="1"/>
+          </p:nvPr>
+        </p:nvSpPr>
+        <p:spPr/>
+        <p:txBody>
+          <a:bodyPr/>
+          <a:lstStyle/>
+          <a:p>
+            <a:endParaRPr lang="es-PE"/>
+          </a:p>
+        </p:txBody>
+      </p:sp>
+    </p:spTree>
+    <p:extLst>
+      <p:ext uri="{BB962C8B-B14F-4D97-AF65-F5344CB8AC3E}">
+        <p14:creationId xmlns:p14="http://schemas.microsoft.com/office/powerpoint/2010/main" val="975456426"/>
       </p:ext>
     </p:extLst>
   </p:cSld>
